--- a/language/A1/Lady M - language analysis.pptx
+++ b/language/A1/Lady M - language analysis.pptx
@@ -3154,13 +3154,8 @@
                     <a:p>
                       <a:r>
                         <a:rPr lang="en-US" dirty="0"/>
-                        <a:t>Metaphor people </a:t>
+                        <a:t>Metaphor people as trees</a:t>
                       </a:r>
-                      <a:r>
-                        <a:rPr lang="en-US"/>
-                        <a:t>as trees</a:t>
-                      </a:r>
-                      <a:endParaRPr lang="en-US" dirty="0"/>
                     </a:p>
                   </a:txBody>
                   <a:tcPr/>
@@ -4107,38 +4102,49 @@
           </a:p>
           <a:p>
             <a:pPr algn="ctr"/>
-            <a:endParaRPr lang="en-GB" sz="1050" dirty="0">
-              <a:solidFill>
-                <a:srgbClr val="002060"/>
-              </a:solidFill>
-            </a:endParaRPr>
-          </a:p>
-          <a:p>
-            <a:pPr algn="ctr"/>
-            <a:endParaRPr lang="en-GB" sz="1050" dirty="0">
-              <a:solidFill>
-                <a:srgbClr val="002060"/>
-              </a:solidFill>
-            </a:endParaRPr>
-          </a:p>
-          <a:p>
-            <a:pPr algn="ctr"/>
-            <a:endParaRPr lang="en-GB" sz="1050" dirty="0">
-              <a:solidFill>
-                <a:srgbClr val="002060"/>
-              </a:solidFill>
-            </a:endParaRPr>
-          </a:p>
-          <a:p>
-            <a:pPr algn="ctr"/>
-            <a:endParaRPr lang="en-GB" sz="1050" dirty="0">
-              <a:solidFill>
-                <a:srgbClr val="002060"/>
-              </a:solidFill>
-            </a:endParaRPr>
-          </a:p>
-          <a:p>
-            <a:pPr algn="ctr"/>
+            <a:r>
+              <a:rPr lang="en-GB" sz="1050" dirty="0">
+                <a:solidFill>
+                  <a:srgbClr val="002060"/>
+                </a:solidFill>
+              </a:rPr>
+              <a:t>They are surprised and felt wired</a:t>
+            </a:r>
+            <a:endParaRPr lang="en-US" sz="1050" dirty="0">
+              <a:solidFill>
+                <a:srgbClr val="002060"/>
+              </a:solidFill>
+            </a:endParaRPr>
+          </a:p>
+          <a:p>
+            <a:pPr algn="ctr"/>
+            <a:r>
+              <a:rPr lang="en-US" sz="1050" dirty="0">
+                <a:solidFill>
+                  <a:srgbClr val="002060"/>
+                </a:solidFill>
+              </a:rPr>
+              <a:t>Macbeth is more interested in these witches than Banquo;</a:t>
+            </a:r>
+          </a:p>
+          <a:p>
+            <a:pPr algn="ctr"/>
+            <a:endParaRPr lang="en-US" sz="1050" dirty="0">
+              <a:solidFill>
+                <a:srgbClr val="002060"/>
+              </a:solidFill>
+            </a:endParaRPr>
+          </a:p>
+          <a:p>
+            <a:pPr algn="ctr"/>
+            <a:r>
+              <a:rPr lang="en-US" sz="1050" dirty="0">
+                <a:solidFill>
+                  <a:srgbClr val="002060"/>
+                </a:solidFill>
+              </a:rPr>
+              <a:t>Banquo </a:t>
+            </a:r>
             <a:endParaRPr lang="en-GB" sz="1050" dirty="0">
               <a:solidFill>
                 <a:srgbClr val="002060"/>
@@ -4410,59 +4416,14 @@
           </a:p>
           <a:p>
             <a:pPr algn="ctr"/>
-            <a:endParaRPr lang="en-GB" sz="1050" dirty="0">
-              <a:solidFill>
-                <a:srgbClr val="002060"/>
-              </a:solidFill>
-            </a:endParaRPr>
-          </a:p>
-          <a:p>
-            <a:pPr algn="ctr"/>
-            <a:endParaRPr lang="en-GB" sz="1050" dirty="0">
-              <a:solidFill>
-                <a:srgbClr val="002060"/>
-              </a:solidFill>
-            </a:endParaRPr>
-          </a:p>
-          <a:p>
-            <a:pPr algn="ctr"/>
-            <a:endParaRPr lang="en-GB" sz="1050" dirty="0">
-              <a:solidFill>
-                <a:srgbClr val="002060"/>
-              </a:solidFill>
-            </a:endParaRPr>
-          </a:p>
-          <a:p>
-            <a:pPr algn="ctr"/>
-            <a:endParaRPr lang="en-GB" sz="1050" dirty="0">
-              <a:solidFill>
-                <a:srgbClr val="002060"/>
-              </a:solidFill>
-            </a:endParaRPr>
-          </a:p>
-          <a:p>
-            <a:pPr algn="ctr"/>
-            <a:endParaRPr lang="en-GB" sz="1050" dirty="0">
-              <a:solidFill>
-                <a:srgbClr val="002060"/>
-              </a:solidFill>
-            </a:endParaRPr>
-          </a:p>
-          <a:p>
-            <a:pPr algn="ctr"/>
-            <a:endParaRPr lang="en-GB" sz="1050" dirty="0">
-              <a:solidFill>
-                <a:srgbClr val="002060"/>
-              </a:solidFill>
-            </a:endParaRPr>
-          </a:p>
-          <a:p>
-            <a:pPr algn="ctr"/>
-            <a:endParaRPr lang="en-GB" sz="1050" dirty="0">
-              <a:solidFill>
-                <a:srgbClr val="002060"/>
-              </a:solidFill>
-            </a:endParaRPr>
+            <a:r>
+              <a:rPr lang="en-GB" sz="1050" dirty="0">
+                <a:solidFill>
+                  <a:srgbClr val="002060"/>
+                </a:solidFill>
+              </a:rPr>
+              <a:t>This first reveals that the witches are not having a good appearance, and they might be wild also because of the strange things that they said to Macbeth and Banquo. The word “withered” also states that the witches don’t have a good appearance from another way.</a:t>
+            </a:r>
           </a:p>
           <a:p>
             <a:pPr algn="ctr"/>
@@ -4676,11 +4637,14 @@
           </a:p>
           <a:p>
             <a:pPr algn="ctr"/>
-            <a:endParaRPr lang="en-GB" sz="1050" dirty="0">
-              <a:solidFill>
-                <a:srgbClr val="002060"/>
-              </a:solidFill>
-            </a:endParaRPr>
+            <a:r>
+              <a:rPr lang="en-GB" sz="1050" dirty="0">
+                <a:solidFill>
+                  <a:srgbClr val="002060"/>
+                </a:solidFill>
+              </a:rPr>
+              <a:t>The repetition made the audience felt that the things witches said is very critical, at least from the witches perspective, </a:t>
+            </a:r>
           </a:p>
           <a:p>
             <a:pPr algn="ctr"/>
@@ -5352,11 +5316,14 @@
           </a:p>
           <a:p>
             <a:pPr algn="ctr"/>
-            <a:endParaRPr lang="en-GB" sz="1050" b="1" dirty="0">
-              <a:solidFill>
-                <a:srgbClr val="002060"/>
-              </a:solidFill>
-            </a:endParaRPr>
+            <a:r>
+              <a:rPr lang="en-GB" sz="1050" b="1" dirty="0">
+                <a:solidFill>
+                  <a:srgbClr val="002060"/>
+                </a:solidFill>
+              </a:rPr>
+              <a:t>“imperfect speakers” shows that Macbeth </a:t>
+            </a:r>
           </a:p>
           <a:p>
             <a:pPr algn="ctr"/>
@@ -7574,7 +7541,27 @@
           <a:lstStyle/>
           <a:p>
             <a:pPr algn="ctr"/>
-            <a:endParaRPr lang="en-GB"/>
+            <a:r>
+              <a:rPr lang="en-GB" dirty="0">
+                <a:solidFill>
+                  <a:schemeClr val="tx1"/>
+                </a:solidFill>
+              </a:rPr>
+              <a:t>Ghost, the spirits states that there is </a:t>
+            </a:r>
+            <a:r>
+              <a:rPr lang="en-GB">
+                <a:solidFill>
+                  <a:schemeClr val="tx1"/>
+                </a:solidFill>
+              </a:rPr>
+              <a:t>something supernatural events happening</a:t>
+            </a:r>
+            <a:endParaRPr lang="en-GB" dirty="0">
+              <a:solidFill>
+                <a:schemeClr val="tx1"/>
+              </a:solidFill>
+            </a:endParaRPr>
           </a:p>
         </p:txBody>
       </p:sp>
@@ -7622,7 +7609,14 @@
           <a:lstStyle/>
           <a:p>
             <a:pPr algn="ctr"/>
-            <a:endParaRPr lang="en-GB"/>
+            <a:r>
+              <a:rPr lang="en-GB" dirty="0">
+                <a:solidFill>
+                  <a:schemeClr val="tx1"/>
+                </a:solidFill>
+              </a:rPr>
+              <a:t>aggressive</a:t>
+            </a:r>
           </a:p>
         </p:txBody>
       </p:sp>
@@ -7670,7 +7664,7 @@
           <a:lstStyle/>
           <a:p>
             <a:pPr algn="ctr"/>
-            <a:endParaRPr lang="en-GB"/>
+            <a:endParaRPr lang="en-GB" dirty="0"/>
           </a:p>
         </p:txBody>
       </p:sp>
@@ -7718,7 +7712,7 @@
           <a:lstStyle/>
           <a:p>
             <a:pPr algn="ctr"/>
-            <a:endParaRPr lang="en-GB"/>
+            <a:endParaRPr lang="en-GB" dirty="0"/>
           </a:p>
         </p:txBody>
       </p:sp>
